--- a/なんちゃってコード進行.pptx
+++ b/なんちゃってコード進行.pptx
@@ -5,7 +5,7 @@
     <p:sldMasterId id="2147483648" r:id="rId1"/>
   </p:sldMasterIdLst>
   <p:notesMasterIdLst>
-    <p:notesMasterId r:id="rId15"/>
+    <p:notesMasterId r:id="rId16"/>
   </p:notesMasterIdLst>
   <p:sldIdLst>
     <p:sldId id="267" r:id="rId2"/>
@@ -18,9 +18,10 @@
     <p:sldId id="264" r:id="rId9"/>
     <p:sldId id="266" r:id="rId10"/>
     <p:sldId id="268" r:id="rId11"/>
-    <p:sldId id="260" r:id="rId12"/>
-    <p:sldId id="265" r:id="rId13"/>
-    <p:sldId id="256" r:id="rId14"/>
+    <p:sldId id="269" r:id="rId12"/>
+    <p:sldId id="260" r:id="rId13"/>
+    <p:sldId id="265" r:id="rId14"/>
+    <p:sldId id="256" r:id="rId15"/>
   </p:sldIdLst>
   <p:sldSz cx="12192000" cy="6858000"/>
   <p:notesSz cx="6858000" cy="9144000"/>
@@ -209,7 +210,7 @@
           <a:p>
             <a:fld id="{9B7544F6-19C0-423A-BC4F-CE16586ED0A2}" type="datetimeFigureOut">
               <a:rPr kumimoji="1" lang="ja-JP" altLang="en-US" smtClean="0"/>
-              <a:t>2017/5/29</a:t>
+              <a:t>2017/5/30</a:t>
             </a:fld>
             <a:endParaRPr kumimoji="1" lang="ja-JP" altLang="en-US"/>
           </a:p>
@@ -336,7 +337,6 @@
               <a:rPr kumimoji="1" lang="ja-JP" altLang="en-US"/>
               <a:t>レベル</a:t>
             </a:r>
-            <a:endParaRPr kumimoji="1" lang="ja-JP" altLang="en-US"/>
           </a:p>
         </p:txBody>
       </p:sp>
@@ -577,7 +577,7 @@
           <a:p>
             <a:fld id="{4F1DB233-8721-499C-98EF-44743227D337}" type="slidenum">
               <a:rPr kumimoji="1" lang="ja-JP" altLang="en-US" smtClean="0"/>
-              <a:t>13</a:t>
+              <a:t>14</a:t>
             </a:fld>
             <a:endParaRPr kumimoji="1" lang="ja-JP" altLang="en-US"/>
           </a:p>
@@ -725,7 +725,7 @@
           <a:p>
             <a:fld id="{34FAF99E-A0D5-463B-960C-AF4DABAF1138}" type="datetimeFigureOut">
               <a:rPr kumimoji="1" lang="ja-JP" altLang="en-US" smtClean="0"/>
-              <a:t>2017/5/29</a:t>
+              <a:t>2017/5/30</a:t>
             </a:fld>
             <a:endParaRPr kumimoji="1" lang="ja-JP" altLang="en-US"/>
           </a:p>
@@ -925,7 +925,7 @@
           <a:p>
             <a:fld id="{34FAF99E-A0D5-463B-960C-AF4DABAF1138}" type="datetimeFigureOut">
               <a:rPr kumimoji="1" lang="ja-JP" altLang="en-US" smtClean="0"/>
-              <a:t>2017/5/29</a:t>
+              <a:t>2017/5/30</a:t>
             </a:fld>
             <a:endParaRPr kumimoji="1" lang="ja-JP" altLang="en-US"/>
           </a:p>
@@ -1135,7 +1135,7 @@
           <a:p>
             <a:fld id="{34FAF99E-A0D5-463B-960C-AF4DABAF1138}" type="datetimeFigureOut">
               <a:rPr kumimoji="1" lang="ja-JP" altLang="en-US" smtClean="0"/>
-              <a:t>2017/5/29</a:t>
+              <a:t>2017/5/30</a:t>
             </a:fld>
             <a:endParaRPr kumimoji="1" lang="ja-JP" altLang="en-US"/>
           </a:p>
@@ -1335,7 +1335,7 @@
           <a:p>
             <a:fld id="{34FAF99E-A0D5-463B-960C-AF4DABAF1138}" type="datetimeFigureOut">
               <a:rPr kumimoji="1" lang="ja-JP" altLang="en-US" smtClean="0"/>
-              <a:t>2017/5/29</a:t>
+              <a:t>2017/5/30</a:t>
             </a:fld>
             <a:endParaRPr kumimoji="1" lang="ja-JP" altLang="en-US"/>
           </a:p>
@@ -1580,7 +1580,7 @@
           <a:p>
             <a:fld id="{34FAF99E-A0D5-463B-960C-AF4DABAF1138}" type="datetimeFigureOut">
               <a:rPr kumimoji="1" lang="ja-JP" altLang="en-US" smtClean="0"/>
-              <a:t>2017/5/29</a:t>
+              <a:t>2017/5/30</a:t>
             </a:fld>
             <a:endParaRPr kumimoji="1" lang="ja-JP" altLang="en-US"/>
           </a:p>
@@ -1873,7 +1873,7 @@
           <a:p>
             <a:fld id="{34FAF99E-A0D5-463B-960C-AF4DABAF1138}" type="datetimeFigureOut">
               <a:rPr kumimoji="1" lang="ja-JP" altLang="en-US" smtClean="0"/>
-              <a:t>2017/5/29</a:t>
+              <a:t>2017/5/30</a:t>
             </a:fld>
             <a:endParaRPr kumimoji="1" lang="ja-JP" altLang="en-US"/>
           </a:p>
@@ -2301,7 +2301,7 @@
           <a:p>
             <a:fld id="{34FAF99E-A0D5-463B-960C-AF4DABAF1138}" type="datetimeFigureOut">
               <a:rPr kumimoji="1" lang="ja-JP" altLang="en-US" smtClean="0"/>
-              <a:t>2017/5/29</a:t>
+              <a:t>2017/5/30</a:t>
             </a:fld>
             <a:endParaRPr kumimoji="1" lang="ja-JP" altLang="en-US"/>
           </a:p>
@@ -2418,7 +2418,7 @@
           <a:p>
             <a:fld id="{34FAF99E-A0D5-463B-960C-AF4DABAF1138}" type="datetimeFigureOut">
               <a:rPr kumimoji="1" lang="ja-JP" altLang="en-US" smtClean="0"/>
-              <a:t>2017/5/29</a:t>
+              <a:t>2017/5/30</a:t>
             </a:fld>
             <a:endParaRPr kumimoji="1" lang="ja-JP" altLang="en-US"/>
           </a:p>
@@ -2513,7 +2513,7 @@
           <a:p>
             <a:fld id="{34FAF99E-A0D5-463B-960C-AF4DABAF1138}" type="datetimeFigureOut">
               <a:rPr kumimoji="1" lang="ja-JP" altLang="en-US" smtClean="0"/>
-              <a:t>2017/5/29</a:t>
+              <a:t>2017/5/30</a:t>
             </a:fld>
             <a:endParaRPr kumimoji="1" lang="ja-JP" altLang="en-US"/>
           </a:p>
@@ -2820,7 +2820,7 @@
           <a:p>
             <a:fld id="{34FAF99E-A0D5-463B-960C-AF4DABAF1138}" type="datetimeFigureOut">
               <a:rPr kumimoji="1" lang="ja-JP" altLang="en-US" smtClean="0"/>
-              <a:t>2017/5/29</a:t>
+              <a:t>2017/5/30</a:t>
             </a:fld>
             <a:endParaRPr kumimoji="1" lang="ja-JP" altLang="en-US"/>
           </a:p>
@@ -3072,7 +3072,7 @@
           <a:p>
             <a:fld id="{34FAF99E-A0D5-463B-960C-AF4DABAF1138}" type="datetimeFigureOut">
               <a:rPr kumimoji="1" lang="ja-JP" altLang="en-US" smtClean="0"/>
-              <a:t>2017/5/29</a:t>
+              <a:t>2017/5/30</a:t>
             </a:fld>
             <a:endParaRPr kumimoji="1" lang="ja-JP" altLang="en-US"/>
           </a:p>
@@ -3315,7 +3315,7 @@
           <a:p>
             <a:fld id="{34FAF99E-A0D5-463B-960C-AF4DABAF1138}" type="datetimeFigureOut">
               <a:rPr kumimoji="1" lang="ja-JP" altLang="en-US" smtClean="0"/>
-              <a:t>2017/5/29</a:t>
+              <a:t>2017/5/30</a:t>
             </a:fld>
             <a:endParaRPr kumimoji="1" lang="ja-JP" altLang="en-US"/>
           </a:p>
@@ -3917,7 +3917,7 @@
 </file>
 
 <file path=ppt/slides/slide11.xml><?xml version="1.0" encoding="utf-8"?>
-<p:sld xmlns:a="http://schemas.openxmlformats.org/drawingml/2006/main" xmlns:r="http://schemas.openxmlformats.org/officeDocument/2006/relationships" xmlns:p="http://schemas.openxmlformats.org/presentationml/2006/main" show="0">
+<p:sld xmlns:a="http://schemas.openxmlformats.org/drawingml/2006/main" xmlns:r="http://schemas.openxmlformats.org/officeDocument/2006/relationships" xmlns:p="http://schemas.openxmlformats.org/presentationml/2006/main">
   <p:cSld>
     <p:spTree>
       <p:nvGrpSpPr>
@@ -3949,57 +3949,78 @@
           <a:lstStyle/>
           <a:p>
             <a:r>
+              <a:rPr kumimoji="1" lang="ja-JP" altLang="en-US" dirty="0"/>
+              <a:t>現状</a:t>
+            </a:r>
+          </a:p>
+        </p:txBody>
+      </p:sp>
+      <p:sp>
+        <p:nvSpPr>
+          <p:cNvPr id="3" name="コンテンツ プレースホルダー 2"/>
+          <p:cNvSpPr>
+            <a:spLocks noGrp="1"/>
+          </p:cNvSpPr>
+          <p:nvPr>
+            <p:ph idx="1"/>
+          </p:nvPr>
+        </p:nvSpPr>
+        <p:spPr/>
+        <p:txBody>
+          <a:bodyPr/>
+          <a:lstStyle/>
+          <a:p>
+            <a:r>
+              <a:rPr kumimoji="1" lang="ja-JP" altLang="en-US" dirty="0"/>
+              <a:t>弾く練習はできる</a:t>
+            </a:r>
+            <a:endParaRPr kumimoji="1" lang="en-US" altLang="ja-JP" dirty="0"/>
+          </a:p>
+          <a:p>
+            <a:r>
               <a:rPr lang="ja-JP" altLang="en-US" dirty="0"/>
-              <a:t>現在の問題</a:t>
-            </a:r>
-            <a:endParaRPr kumimoji="1" lang="ja-JP" altLang="en-US" dirty="0"/>
-          </a:p>
-        </p:txBody>
-      </p:sp>
-      <p:sp>
-        <p:nvSpPr>
-          <p:cNvPr id="3" name="コンテンツ プレースホルダー 2"/>
-          <p:cNvSpPr>
-            <a:spLocks noGrp="1"/>
-          </p:cNvSpPr>
-          <p:nvPr>
-            <p:ph idx="1"/>
-          </p:nvPr>
-        </p:nvSpPr>
-        <p:spPr/>
-        <p:txBody>
-          <a:bodyPr/>
-          <a:lstStyle/>
-          <a:p>
+              <a:t>それで分かったこと</a:t>
+            </a:r>
+            <a:endParaRPr lang="en-US" altLang="ja-JP" dirty="0"/>
+          </a:p>
+          <a:p>
+            <a:pPr lvl="1"/>
+            <a:r>
+              <a:rPr lang="ja-JP" altLang="en-US" dirty="0"/>
+              <a:t>ギターの音っぽくはない</a:t>
+            </a:r>
+            <a:endParaRPr lang="en-US" altLang="ja-JP" dirty="0"/>
+          </a:p>
+          <a:p>
+            <a:pPr lvl="1"/>
             <a:r>
               <a:rPr kumimoji="1" lang="ja-JP" altLang="en-US" dirty="0"/>
-              <a:t>予定が立てられない</a:t>
+              <a:t>弾き語りが簡単になどなってない</a:t>
+            </a:r>
+            <a:endParaRPr kumimoji="1" lang="en-US" altLang="ja-JP" dirty="0"/>
+          </a:p>
+          <a:p>
+            <a:pPr lvl="1"/>
+            <a:r>
+              <a:rPr lang="ja-JP" altLang="en-US" dirty="0"/>
+              <a:t>音の修正がめ</a:t>
+            </a:r>
+            <a:r>
+              <a:rPr lang="ja-JP" altLang="en-US" dirty="0" err="1"/>
+              <a:t>んど</a:t>
+            </a:r>
+            <a:r>
+              <a:rPr lang="ja-JP" altLang="en-US"/>
+              <a:t>くさい</a:t>
             </a:r>
             <a:endParaRPr lang="en-US" altLang="ja-JP" dirty="0"/>
-          </a:p>
-          <a:p>
-            <a:r>
-              <a:rPr kumimoji="1" lang="ja-JP" altLang="en-US" dirty="0"/>
-              <a:t>自然な和音の流れを決めないといけないかも</a:t>
-            </a:r>
-            <a:endParaRPr kumimoji="1" lang="en-US" altLang="ja-JP" dirty="0"/>
-          </a:p>
-          <a:p>
-            <a:pPr marL="457200" lvl="1" indent="0">
-              <a:buNone/>
-            </a:pPr>
-            <a:r>
-              <a:rPr lang="ja-JP" altLang="en-US"/>
-              <a:t>コード決定ソフトで</a:t>
-            </a:r>
-            <a:endParaRPr kumimoji="1" lang="ja-JP" altLang="en-US" dirty="0"/>
           </a:p>
         </p:txBody>
       </p:sp>
     </p:spTree>
     <p:extLst>
       <p:ext uri="{BB962C8B-B14F-4D97-AF65-F5344CB8AC3E}">
-        <p14:creationId xmlns:p14="http://schemas.microsoft.com/office/powerpoint/2010/main" val="2530476751"/>
+        <p14:creationId xmlns:p14="http://schemas.microsoft.com/office/powerpoint/2010/main" val="1302768076"/>
       </p:ext>
     </p:extLst>
   </p:cSld>
@@ -4042,6 +4063,99 @@
           <a:lstStyle/>
           <a:p>
             <a:r>
+              <a:rPr lang="ja-JP" altLang="en-US" dirty="0"/>
+              <a:t>現在の問題</a:t>
+            </a:r>
+            <a:endParaRPr kumimoji="1" lang="ja-JP" altLang="en-US" dirty="0"/>
+          </a:p>
+        </p:txBody>
+      </p:sp>
+      <p:sp>
+        <p:nvSpPr>
+          <p:cNvPr id="3" name="コンテンツ プレースホルダー 2"/>
+          <p:cNvSpPr>
+            <a:spLocks noGrp="1"/>
+          </p:cNvSpPr>
+          <p:nvPr>
+            <p:ph idx="1"/>
+          </p:nvPr>
+        </p:nvSpPr>
+        <p:spPr/>
+        <p:txBody>
+          <a:bodyPr/>
+          <a:lstStyle/>
+          <a:p>
+            <a:r>
+              <a:rPr kumimoji="1" lang="ja-JP" altLang="en-US" dirty="0"/>
+              <a:t>予定が立てられない</a:t>
+            </a:r>
+            <a:endParaRPr lang="en-US" altLang="ja-JP" dirty="0"/>
+          </a:p>
+          <a:p>
+            <a:r>
+              <a:rPr kumimoji="1" lang="ja-JP" altLang="en-US" dirty="0"/>
+              <a:t>自然な和音の流れを決めないといけないかも</a:t>
+            </a:r>
+            <a:endParaRPr kumimoji="1" lang="en-US" altLang="ja-JP" dirty="0"/>
+          </a:p>
+          <a:p>
+            <a:pPr marL="457200" lvl="1" indent="0">
+              <a:buNone/>
+            </a:pPr>
+            <a:r>
+              <a:rPr lang="ja-JP" altLang="en-US"/>
+              <a:t>コード決定ソフトで</a:t>
+            </a:r>
+            <a:endParaRPr kumimoji="1" lang="ja-JP" altLang="en-US" dirty="0"/>
+          </a:p>
+        </p:txBody>
+      </p:sp>
+    </p:spTree>
+    <p:extLst>
+      <p:ext uri="{BB962C8B-B14F-4D97-AF65-F5344CB8AC3E}">
+        <p14:creationId xmlns:p14="http://schemas.microsoft.com/office/powerpoint/2010/main" val="2530476751"/>
+      </p:ext>
+    </p:extLst>
+  </p:cSld>
+  <p:clrMapOvr>
+    <a:masterClrMapping/>
+  </p:clrMapOvr>
+</p:sld>
+</file>
+
+<file path=ppt/slides/slide13.xml><?xml version="1.0" encoding="utf-8"?>
+<p:sld xmlns:a="http://schemas.openxmlformats.org/drawingml/2006/main" xmlns:r="http://schemas.openxmlformats.org/officeDocument/2006/relationships" xmlns:p="http://schemas.openxmlformats.org/presentationml/2006/main" show="0">
+  <p:cSld>
+    <p:spTree>
+      <p:nvGrpSpPr>
+        <p:cNvPr id="1" name=""/>
+        <p:cNvGrpSpPr/>
+        <p:nvPr/>
+      </p:nvGrpSpPr>
+      <p:grpSpPr>
+        <a:xfrm>
+          <a:off x="0" y="0"/>
+          <a:ext cx="0" cy="0"/>
+          <a:chOff x="0" y="0"/>
+          <a:chExt cx="0" cy="0"/>
+        </a:xfrm>
+      </p:grpSpPr>
+      <p:sp>
+        <p:nvSpPr>
+          <p:cNvPr id="2" name="タイトル 1"/>
+          <p:cNvSpPr>
+            <a:spLocks noGrp="1"/>
+          </p:cNvSpPr>
+          <p:nvPr>
+            <p:ph type="title"/>
+          </p:nvPr>
+        </p:nvSpPr>
+        <p:spPr/>
+        <p:txBody>
+          <a:bodyPr/>
+          <a:lstStyle/>
+          <a:p>
+            <a:r>
               <a:rPr kumimoji="1" lang="ja-JP" altLang="en-US" dirty="0"/>
               <a:t>現状整理</a:t>
             </a:r>
@@ -4107,7 +4221,7 @@
 </p:sld>
 </file>
 
-<file path=ppt/slides/slide13.xml><?xml version="1.0" encoding="utf-8"?>
+<file path=ppt/slides/slide14.xml><?xml version="1.0" encoding="utf-8"?>
 <p:sld xmlns:a="http://schemas.openxmlformats.org/drawingml/2006/main" xmlns:r="http://schemas.openxmlformats.org/officeDocument/2006/relationships" xmlns:p="http://schemas.openxmlformats.org/presentationml/2006/main" show="0">
   <p:cSld>
     <p:spTree>

--- a/なんちゃってコード進行.pptx
+++ b/なんちゃってコード進行.pptx
@@ -5,7 +5,7 @@
     <p:sldMasterId id="2147483648" r:id="rId1"/>
   </p:sldMasterIdLst>
   <p:notesMasterIdLst>
-    <p:notesMasterId r:id="rId16"/>
+    <p:notesMasterId r:id="rId18"/>
   </p:notesMasterIdLst>
   <p:sldIdLst>
     <p:sldId id="267" r:id="rId2"/>
@@ -19,9 +19,11 @@
     <p:sldId id="266" r:id="rId10"/>
     <p:sldId id="268" r:id="rId11"/>
     <p:sldId id="269" r:id="rId12"/>
-    <p:sldId id="260" r:id="rId13"/>
-    <p:sldId id="265" r:id="rId14"/>
-    <p:sldId id="256" r:id="rId15"/>
+    <p:sldId id="270" r:id="rId13"/>
+    <p:sldId id="271" r:id="rId14"/>
+    <p:sldId id="260" r:id="rId15"/>
+    <p:sldId id="265" r:id="rId16"/>
+    <p:sldId id="256" r:id="rId17"/>
   </p:sldIdLst>
   <p:sldSz cx="12192000" cy="6858000"/>
   <p:notesSz cx="6858000" cy="9144000"/>
@@ -210,7 +212,7 @@
           <a:p>
             <a:fld id="{9B7544F6-19C0-423A-BC4F-CE16586ED0A2}" type="datetimeFigureOut">
               <a:rPr kumimoji="1" lang="ja-JP" altLang="en-US" smtClean="0"/>
-              <a:t>2017/5/30</a:t>
+              <a:t>2017/6/2</a:t>
             </a:fld>
             <a:endParaRPr kumimoji="1" lang="ja-JP" altLang="en-US"/>
           </a:p>
@@ -577,7 +579,7 @@
           <a:p>
             <a:fld id="{4F1DB233-8721-499C-98EF-44743227D337}" type="slidenum">
               <a:rPr kumimoji="1" lang="ja-JP" altLang="en-US" smtClean="0"/>
-              <a:t>14</a:t>
+              <a:t>16</a:t>
             </a:fld>
             <a:endParaRPr kumimoji="1" lang="ja-JP" altLang="en-US"/>
           </a:p>
@@ -725,7 +727,7 @@
           <a:p>
             <a:fld id="{34FAF99E-A0D5-463B-960C-AF4DABAF1138}" type="datetimeFigureOut">
               <a:rPr kumimoji="1" lang="ja-JP" altLang="en-US" smtClean="0"/>
-              <a:t>2017/5/30</a:t>
+              <a:t>2017/6/2</a:t>
             </a:fld>
             <a:endParaRPr kumimoji="1" lang="ja-JP" altLang="en-US"/>
           </a:p>
@@ -925,7 +927,7 @@
           <a:p>
             <a:fld id="{34FAF99E-A0D5-463B-960C-AF4DABAF1138}" type="datetimeFigureOut">
               <a:rPr kumimoji="1" lang="ja-JP" altLang="en-US" smtClean="0"/>
-              <a:t>2017/5/30</a:t>
+              <a:t>2017/6/2</a:t>
             </a:fld>
             <a:endParaRPr kumimoji="1" lang="ja-JP" altLang="en-US"/>
           </a:p>
@@ -1135,7 +1137,7 @@
           <a:p>
             <a:fld id="{34FAF99E-A0D5-463B-960C-AF4DABAF1138}" type="datetimeFigureOut">
               <a:rPr kumimoji="1" lang="ja-JP" altLang="en-US" smtClean="0"/>
-              <a:t>2017/5/30</a:t>
+              <a:t>2017/6/2</a:t>
             </a:fld>
             <a:endParaRPr kumimoji="1" lang="ja-JP" altLang="en-US"/>
           </a:p>
@@ -1335,7 +1337,7 @@
           <a:p>
             <a:fld id="{34FAF99E-A0D5-463B-960C-AF4DABAF1138}" type="datetimeFigureOut">
               <a:rPr kumimoji="1" lang="ja-JP" altLang="en-US" smtClean="0"/>
-              <a:t>2017/5/30</a:t>
+              <a:t>2017/6/2</a:t>
             </a:fld>
             <a:endParaRPr kumimoji="1" lang="ja-JP" altLang="en-US"/>
           </a:p>
@@ -1580,7 +1582,7 @@
           <a:p>
             <a:fld id="{34FAF99E-A0D5-463B-960C-AF4DABAF1138}" type="datetimeFigureOut">
               <a:rPr kumimoji="1" lang="ja-JP" altLang="en-US" smtClean="0"/>
-              <a:t>2017/5/30</a:t>
+              <a:t>2017/6/2</a:t>
             </a:fld>
             <a:endParaRPr kumimoji="1" lang="ja-JP" altLang="en-US"/>
           </a:p>
@@ -1873,7 +1875,7 @@
           <a:p>
             <a:fld id="{34FAF99E-A0D5-463B-960C-AF4DABAF1138}" type="datetimeFigureOut">
               <a:rPr kumimoji="1" lang="ja-JP" altLang="en-US" smtClean="0"/>
-              <a:t>2017/5/30</a:t>
+              <a:t>2017/6/2</a:t>
             </a:fld>
             <a:endParaRPr kumimoji="1" lang="ja-JP" altLang="en-US"/>
           </a:p>
@@ -2301,7 +2303,7 @@
           <a:p>
             <a:fld id="{34FAF99E-A0D5-463B-960C-AF4DABAF1138}" type="datetimeFigureOut">
               <a:rPr kumimoji="1" lang="ja-JP" altLang="en-US" smtClean="0"/>
-              <a:t>2017/5/30</a:t>
+              <a:t>2017/6/2</a:t>
             </a:fld>
             <a:endParaRPr kumimoji="1" lang="ja-JP" altLang="en-US"/>
           </a:p>
@@ -2418,7 +2420,7 @@
           <a:p>
             <a:fld id="{34FAF99E-A0D5-463B-960C-AF4DABAF1138}" type="datetimeFigureOut">
               <a:rPr kumimoji="1" lang="ja-JP" altLang="en-US" smtClean="0"/>
-              <a:t>2017/5/30</a:t>
+              <a:t>2017/6/2</a:t>
             </a:fld>
             <a:endParaRPr kumimoji="1" lang="ja-JP" altLang="en-US"/>
           </a:p>
@@ -2513,7 +2515,7 @@
           <a:p>
             <a:fld id="{34FAF99E-A0D5-463B-960C-AF4DABAF1138}" type="datetimeFigureOut">
               <a:rPr kumimoji="1" lang="ja-JP" altLang="en-US" smtClean="0"/>
-              <a:t>2017/5/30</a:t>
+              <a:t>2017/6/2</a:t>
             </a:fld>
             <a:endParaRPr kumimoji="1" lang="ja-JP" altLang="en-US"/>
           </a:p>
@@ -2820,7 +2822,7 @@
           <a:p>
             <a:fld id="{34FAF99E-A0D5-463B-960C-AF4DABAF1138}" type="datetimeFigureOut">
               <a:rPr kumimoji="1" lang="ja-JP" altLang="en-US" smtClean="0"/>
-              <a:t>2017/5/30</a:t>
+              <a:t>2017/6/2</a:t>
             </a:fld>
             <a:endParaRPr kumimoji="1" lang="ja-JP" altLang="en-US"/>
           </a:p>
@@ -3072,7 +3074,7 @@
           <a:p>
             <a:fld id="{34FAF99E-A0D5-463B-960C-AF4DABAF1138}" type="datetimeFigureOut">
               <a:rPr kumimoji="1" lang="ja-JP" altLang="en-US" smtClean="0"/>
-              <a:t>2017/5/30</a:t>
+              <a:t>2017/6/2</a:t>
             </a:fld>
             <a:endParaRPr kumimoji="1" lang="ja-JP" altLang="en-US"/>
           </a:p>
@@ -3315,7 +3317,7 @@
           <a:p>
             <a:fld id="{34FAF99E-A0D5-463B-960C-AF4DABAF1138}" type="datetimeFigureOut">
               <a:rPr kumimoji="1" lang="ja-JP" altLang="en-US" smtClean="0"/>
-              <a:t>2017/5/30</a:t>
+              <a:t>2017/6/2</a:t>
             </a:fld>
             <a:endParaRPr kumimoji="1" lang="ja-JP" altLang="en-US"/>
           </a:p>
@@ -4031,6 +4033,288 @@
 </file>
 
 <file path=ppt/slides/slide12.xml><?xml version="1.0" encoding="utf-8"?>
+<p:sld xmlns:a="http://schemas.openxmlformats.org/drawingml/2006/main" xmlns:r="http://schemas.openxmlformats.org/officeDocument/2006/relationships" xmlns:p="http://schemas.openxmlformats.org/presentationml/2006/main">
+  <p:cSld>
+    <p:spTree>
+      <p:nvGrpSpPr>
+        <p:cNvPr id="1" name=""/>
+        <p:cNvGrpSpPr/>
+        <p:nvPr/>
+      </p:nvGrpSpPr>
+      <p:grpSpPr>
+        <a:xfrm>
+          <a:off x="0" y="0"/>
+          <a:ext cx="0" cy="0"/>
+          <a:chOff x="0" y="0"/>
+          <a:chExt cx="0" cy="0"/>
+        </a:xfrm>
+      </p:grpSpPr>
+      <p:sp>
+        <p:nvSpPr>
+          <p:cNvPr id="2" name="タイトル 1"/>
+          <p:cNvSpPr>
+            <a:spLocks noGrp="1"/>
+          </p:cNvSpPr>
+          <p:nvPr>
+            <p:ph type="title"/>
+          </p:nvPr>
+        </p:nvSpPr>
+        <p:spPr/>
+        <p:txBody>
+          <a:bodyPr/>
+          <a:lstStyle/>
+          <a:p>
+            <a:r>
+              <a:rPr kumimoji="1" lang="ja-JP" altLang="en-US" dirty="0"/>
+              <a:t>ストローク</a:t>
+            </a:r>
+          </a:p>
+        </p:txBody>
+      </p:sp>
+      <p:sp>
+        <p:nvSpPr>
+          <p:cNvPr id="3" name="コンテンツ プレースホルダー 2"/>
+          <p:cNvSpPr>
+            <a:spLocks noGrp="1"/>
+          </p:cNvSpPr>
+          <p:nvPr>
+            <p:ph idx="1"/>
+          </p:nvPr>
+        </p:nvSpPr>
+        <p:spPr/>
+        <p:txBody>
+          <a:bodyPr>
+            <a:normAutofit lnSpcReduction="10000"/>
+          </a:bodyPr>
+          <a:lstStyle/>
+          <a:p>
+            <a:r>
+              <a:rPr kumimoji="1" lang="ja-JP" altLang="en-US" dirty="0"/>
+              <a:t>６本の弦を一気に弾く</a:t>
+            </a:r>
+            <a:endParaRPr kumimoji="1" lang="en-US" altLang="ja-JP" dirty="0"/>
+          </a:p>
+          <a:p>
+            <a:r>
+              <a:rPr lang="ja-JP" altLang="en-US" dirty="0"/>
+              <a:t>脱力</a:t>
+            </a:r>
+            <a:endParaRPr lang="en-US" altLang="ja-JP" dirty="0"/>
+          </a:p>
+          <a:p>
+            <a:r>
+              <a:rPr kumimoji="1" lang="ja-JP" altLang="en-US" dirty="0"/>
+              <a:t>キーボードで複数のキーを使う</a:t>
+            </a:r>
+            <a:endParaRPr kumimoji="1" lang="en-US" altLang="ja-JP" dirty="0"/>
+          </a:p>
+          <a:p>
+            <a:r>
+              <a:rPr lang="ja-JP" altLang="en-US" dirty="0"/>
+              <a:t>方向</a:t>
+            </a:r>
+            <a:endParaRPr kumimoji="1" lang="en-US" altLang="ja-JP" dirty="0"/>
+          </a:p>
+          <a:p>
+            <a:pPr lvl="1"/>
+            <a:r>
+              <a:rPr lang="ja-JP" altLang="en-US" dirty="0"/>
+              <a:t>ダウンストローク</a:t>
+            </a:r>
+            <a:endParaRPr lang="en-US" altLang="ja-JP" dirty="0"/>
+          </a:p>
+          <a:p>
+            <a:pPr lvl="1"/>
+            <a:r>
+              <a:rPr kumimoji="1" lang="ja-JP" altLang="en-US" dirty="0"/>
+              <a:t>アップストローク</a:t>
+            </a:r>
+            <a:r>
+              <a:rPr kumimoji="1" lang="en-US" altLang="ja-JP" dirty="0"/>
+              <a:t>	</a:t>
+            </a:r>
+            <a:r>
+              <a:rPr kumimoji="1" lang="ja-JP" altLang="en-US" dirty="0"/>
+              <a:t>ダウンより音が鳴りにくい？</a:t>
+            </a:r>
+            <a:endParaRPr kumimoji="1" lang="en-US" altLang="ja-JP" dirty="0"/>
+          </a:p>
+          <a:p>
+            <a:r>
+              <a:rPr lang="ja-JP" altLang="en-US" dirty="0"/>
+              <a:t>基本の弾き方</a:t>
+            </a:r>
+            <a:endParaRPr kumimoji="1" lang="en-US" altLang="ja-JP" dirty="0"/>
+          </a:p>
+          <a:p>
+            <a:pPr lvl="1"/>
+            <a:r>
+              <a:rPr lang="ja-JP" altLang="en-US" dirty="0"/>
+              <a:t>ダウン</a:t>
+            </a:r>
+            <a:r>
+              <a:rPr lang="en-US" altLang="ja-JP" dirty="0"/>
+              <a:t>&gt;</a:t>
+            </a:r>
+            <a:r>
+              <a:rPr lang="ja-JP" altLang="en-US" dirty="0"/>
+              <a:t>ダウン</a:t>
+            </a:r>
+            <a:r>
+              <a:rPr lang="en-US" altLang="ja-JP" dirty="0"/>
+              <a:t>&gt;</a:t>
+            </a:r>
+            <a:r>
+              <a:rPr lang="ja-JP" altLang="en-US" dirty="0"/>
+              <a:t>アップ</a:t>
+            </a:r>
+            <a:r>
+              <a:rPr lang="en-US" altLang="ja-JP" dirty="0"/>
+              <a:t>&gt;</a:t>
+            </a:r>
+            <a:r>
+              <a:rPr lang="ja-JP" altLang="en-US" dirty="0"/>
+              <a:t>アップ</a:t>
+            </a:r>
+            <a:r>
+              <a:rPr lang="en-US" altLang="ja-JP" dirty="0"/>
+              <a:t>&gt;</a:t>
+            </a:r>
+            <a:r>
+              <a:rPr lang="ja-JP" altLang="en-US" dirty="0"/>
+              <a:t>ダウン</a:t>
+            </a:r>
+            <a:r>
+              <a:rPr lang="en-US" altLang="ja-JP" dirty="0"/>
+              <a:t>&gt;</a:t>
+            </a:r>
+            <a:r>
+              <a:rPr lang="ja-JP" altLang="en-US" dirty="0"/>
+              <a:t>アップ</a:t>
+            </a:r>
+            <a:endParaRPr lang="en-US" altLang="ja-JP" dirty="0"/>
+          </a:p>
+          <a:p>
+            <a:pPr lvl="1"/>
+            <a:r>
+              <a:rPr kumimoji="1" lang="ja-JP" altLang="en-US" dirty="0"/>
+              <a:t>当たってるか当たってないかがリズムを生む</a:t>
+            </a:r>
+            <a:endParaRPr kumimoji="1" lang="en-US" altLang="ja-JP" dirty="0"/>
+          </a:p>
+          <a:p>
+            <a:pPr lvl="1"/>
+            <a:r>
+              <a:rPr lang="ja-JP" altLang="en-US" dirty="0"/>
+              <a:t>腕を振るスピードはたぶん同じ</a:t>
+            </a:r>
+            <a:endParaRPr kumimoji="1" lang="ja-JP" altLang="en-US" dirty="0"/>
+          </a:p>
+        </p:txBody>
+      </p:sp>
+    </p:spTree>
+    <p:extLst>
+      <p:ext uri="{BB962C8B-B14F-4D97-AF65-F5344CB8AC3E}">
+        <p14:creationId xmlns:p14="http://schemas.microsoft.com/office/powerpoint/2010/main" val="3826982934"/>
+      </p:ext>
+    </p:extLst>
+  </p:cSld>
+  <p:clrMapOvr>
+    <a:masterClrMapping/>
+  </p:clrMapOvr>
+</p:sld>
+</file>
+
+<file path=ppt/slides/slide13.xml><?xml version="1.0" encoding="utf-8"?>
+<p:sld xmlns:a="http://schemas.openxmlformats.org/drawingml/2006/main" xmlns:r="http://schemas.openxmlformats.org/officeDocument/2006/relationships" xmlns:p="http://schemas.openxmlformats.org/presentationml/2006/main">
+  <p:cSld>
+    <p:spTree>
+      <p:nvGrpSpPr>
+        <p:cNvPr id="1" name=""/>
+        <p:cNvGrpSpPr/>
+        <p:nvPr/>
+      </p:nvGrpSpPr>
+      <p:grpSpPr>
+        <a:xfrm>
+          <a:off x="0" y="0"/>
+          <a:ext cx="0" cy="0"/>
+          <a:chOff x="0" y="0"/>
+          <a:chExt cx="0" cy="0"/>
+        </a:xfrm>
+      </p:grpSpPr>
+      <p:sp>
+        <p:nvSpPr>
+          <p:cNvPr id="2" name="タイトル 1"/>
+          <p:cNvSpPr>
+            <a:spLocks noGrp="1"/>
+          </p:cNvSpPr>
+          <p:nvPr>
+            <p:ph type="title"/>
+          </p:nvPr>
+        </p:nvSpPr>
+        <p:spPr/>
+        <p:txBody>
+          <a:bodyPr/>
+          <a:lstStyle/>
+          <a:p>
+            <a:r>
+              <a:rPr kumimoji="1" lang="ja-JP" altLang="en-US" dirty="0"/>
+              <a:t>弦は６本</a:t>
+            </a:r>
+          </a:p>
+        </p:txBody>
+      </p:sp>
+      <p:sp>
+        <p:nvSpPr>
+          <p:cNvPr id="3" name="コンテンツ プレースホルダー 2"/>
+          <p:cNvSpPr>
+            <a:spLocks noGrp="1"/>
+          </p:cNvSpPr>
+          <p:nvPr>
+            <p:ph idx="1"/>
+          </p:nvPr>
+        </p:nvSpPr>
+        <p:spPr/>
+        <p:txBody>
+          <a:bodyPr/>
+          <a:lstStyle/>
+          <a:p>
+            <a:r>
+              <a:rPr kumimoji="1" lang="ja-JP" altLang="en-US" dirty="0"/>
+              <a:t>音が６つ出る？</a:t>
+            </a:r>
+            <a:endParaRPr kumimoji="1" lang="en-US" altLang="ja-JP" dirty="0"/>
+          </a:p>
+          <a:p>
+            <a:r>
+              <a:rPr lang="ja-JP" altLang="en-US" dirty="0"/>
+              <a:t>上４本がベースと同じ</a:t>
+            </a:r>
+            <a:endParaRPr lang="en-US" altLang="ja-JP" dirty="0"/>
+          </a:p>
+          <a:p>
+            <a:r>
+              <a:rPr kumimoji="1" lang="ja-JP" altLang="en-US"/>
+              <a:t>残りは？　オクターブ違い？</a:t>
+            </a:r>
+            <a:endParaRPr kumimoji="1" lang="ja-JP" altLang="en-US" dirty="0"/>
+          </a:p>
+        </p:txBody>
+      </p:sp>
+    </p:spTree>
+    <p:extLst>
+      <p:ext uri="{BB962C8B-B14F-4D97-AF65-F5344CB8AC3E}">
+        <p14:creationId xmlns:p14="http://schemas.microsoft.com/office/powerpoint/2010/main" val="2443643365"/>
+      </p:ext>
+    </p:extLst>
+  </p:cSld>
+  <p:clrMapOvr>
+    <a:masterClrMapping/>
+  </p:clrMapOvr>
+</p:sld>
+</file>
+
+<file path=ppt/slides/slide14.xml><?xml version="1.0" encoding="utf-8"?>
 <p:sld xmlns:a="http://schemas.openxmlformats.org/drawingml/2006/main" xmlns:r="http://schemas.openxmlformats.org/officeDocument/2006/relationships" xmlns:p="http://schemas.openxmlformats.org/presentationml/2006/main" show="0">
   <p:cSld>
     <p:spTree>
@@ -4123,7 +4407,7 @@
 </p:sld>
 </file>
 
-<file path=ppt/slides/slide13.xml><?xml version="1.0" encoding="utf-8"?>
+<file path=ppt/slides/slide15.xml><?xml version="1.0" encoding="utf-8"?>
 <p:sld xmlns:a="http://schemas.openxmlformats.org/drawingml/2006/main" xmlns:r="http://schemas.openxmlformats.org/officeDocument/2006/relationships" xmlns:p="http://schemas.openxmlformats.org/presentationml/2006/main" show="0">
   <p:cSld>
     <p:spTree>
@@ -4221,7 +4505,7 @@
 </p:sld>
 </file>
 
-<file path=ppt/slides/slide14.xml><?xml version="1.0" encoding="utf-8"?>
+<file path=ppt/slides/slide16.xml><?xml version="1.0" encoding="utf-8"?>
 <p:sld xmlns:a="http://schemas.openxmlformats.org/drawingml/2006/main" xmlns:r="http://schemas.openxmlformats.org/officeDocument/2006/relationships" xmlns:p="http://schemas.openxmlformats.org/presentationml/2006/main" show="0">
   <p:cSld>
     <p:spTree>

--- a/なんちゃってコード進行.pptx
+++ b/なんちゃってコード進行.pptx
@@ -18,11 +18,11 @@
     <p:sldId id="264" r:id="rId9"/>
     <p:sldId id="266" r:id="rId10"/>
     <p:sldId id="268" r:id="rId11"/>
-    <p:sldId id="269" r:id="rId12"/>
-    <p:sldId id="270" r:id="rId13"/>
-    <p:sldId id="271" r:id="rId14"/>
+    <p:sldId id="270" r:id="rId12"/>
+    <p:sldId id="271" r:id="rId13"/>
+    <p:sldId id="265" r:id="rId14"/>
     <p:sldId id="260" r:id="rId15"/>
-    <p:sldId id="265" r:id="rId16"/>
+    <p:sldId id="269" r:id="rId16"/>
     <p:sldId id="256" r:id="rId17"/>
   </p:sldIdLst>
   <p:sldSz cx="12192000" cy="6858000"/>
@@ -212,7 +212,7 @@
           <a:p>
             <a:fld id="{9B7544F6-19C0-423A-BC4F-CE16586ED0A2}" type="datetimeFigureOut">
               <a:rPr kumimoji="1" lang="ja-JP" altLang="en-US" smtClean="0"/>
-              <a:t>2017/6/2</a:t>
+              <a:t>2017/6/3</a:t>
             </a:fld>
             <a:endParaRPr kumimoji="1" lang="ja-JP" altLang="en-US"/>
           </a:p>
@@ -727,7 +727,7 @@
           <a:p>
             <a:fld id="{34FAF99E-A0D5-463B-960C-AF4DABAF1138}" type="datetimeFigureOut">
               <a:rPr kumimoji="1" lang="ja-JP" altLang="en-US" smtClean="0"/>
-              <a:t>2017/6/2</a:t>
+              <a:t>2017/6/3</a:t>
             </a:fld>
             <a:endParaRPr kumimoji="1" lang="ja-JP" altLang="en-US"/>
           </a:p>
@@ -927,7 +927,7 @@
           <a:p>
             <a:fld id="{34FAF99E-A0D5-463B-960C-AF4DABAF1138}" type="datetimeFigureOut">
               <a:rPr kumimoji="1" lang="ja-JP" altLang="en-US" smtClean="0"/>
-              <a:t>2017/6/2</a:t>
+              <a:t>2017/6/3</a:t>
             </a:fld>
             <a:endParaRPr kumimoji="1" lang="ja-JP" altLang="en-US"/>
           </a:p>
@@ -1137,7 +1137,7 @@
           <a:p>
             <a:fld id="{34FAF99E-A0D5-463B-960C-AF4DABAF1138}" type="datetimeFigureOut">
               <a:rPr kumimoji="1" lang="ja-JP" altLang="en-US" smtClean="0"/>
-              <a:t>2017/6/2</a:t>
+              <a:t>2017/6/3</a:t>
             </a:fld>
             <a:endParaRPr kumimoji="1" lang="ja-JP" altLang="en-US"/>
           </a:p>
@@ -1337,7 +1337,7 @@
           <a:p>
             <a:fld id="{34FAF99E-A0D5-463B-960C-AF4DABAF1138}" type="datetimeFigureOut">
               <a:rPr kumimoji="1" lang="ja-JP" altLang="en-US" smtClean="0"/>
-              <a:t>2017/6/2</a:t>
+              <a:t>2017/6/3</a:t>
             </a:fld>
             <a:endParaRPr kumimoji="1" lang="ja-JP" altLang="en-US"/>
           </a:p>
@@ -1582,7 +1582,7 @@
           <a:p>
             <a:fld id="{34FAF99E-A0D5-463B-960C-AF4DABAF1138}" type="datetimeFigureOut">
               <a:rPr kumimoji="1" lang="ja-JP" altLang="en-US" smtClean="0"/>
-              <a:t>2017/6/2</a:t>
+              <a:t>2017/6/3</a:t>
             </a:fld>
             <a:endParaRPr kumimoji="1" lang="ja-JP" altLang="en-US"/>
           </a:p>
@@ -1875,7 +1875,7 @@
           <a:p>
             <a:fld id="{34FAF99E-A0D5-463B-960C-AF4DABAF1138}" type="datetimeFigureOut">
               <a:rPr kumimoji="1" lang="ja-JP" altLang="en-US" smtClean="0"/>
-              <a:t>2017/6/2</a:t>
+              <a:t>2017/6/3</a:t>
             </a:fld>
             <a:endParaRPr kumimoji="1" lang="ja-JP" altLang="en-US"/>
           </a:p>
@@ -2303,7 +2303,7 @@
           <a:p>
             <a:fld id="{34FAF99E-A0D5-463B-960C-AF4DABAF1138}" type="datetimeFigureOut">
               <a:rPr kumimoji="1" lang="ja-JP" altLang="en-US" smtClean="0"/>
-              <a:t>2017/6/2</a:t>
+              <a:t>2017/6/3</a:t>
             </a:fld>
             <a:endParaRPr kumimoji="1" lang="ja-JP" altLang="en-US"/>
           </a:p>
@@ -2420,7 +2420,7 @@
           <a:p>
             <a:fld id="{34FAF99E-A0D5-463B-960C-AF4DABAF1138}" type="datetimeFigureOut">
               <a:rPr kumimoji="1" lang="ja-JP" altLang="en-US" smtClean="0"/>
-              <a:t>2017/6/2</a:t>
+              <a:t>2017/6/3</a:t>
             </a:fld>
             <a:endParaRPr kumimoji="1" lang="ja-JP" altLang="en-US"/>
           </a:p>
@@ -2515,7 +2515,7 @@
           <a:p>
             <a:fld id="{34FAF99E-A0D5-463B-960C-AF4DABAF1138}" type="datetimeFigureOut">
               <a:rPr kumimoji="1" lang="ja-JP" altLang="en-US" smtClean="0"/>
-              <a:t>2017/6/2</a:t>
+              <a:t>2017/6/3</a:t>
             </a:fld>
             <a:endParaRPr kumimoji="1" lang="ja-JP" altLang="en-US"/>
           </a:p>
@@ -2822,7 +2822,7 @@
           <a:p>
             <a:fld id="{34FAF99E-A0D5-463B-960C-AF4DABAF1138}" type="datetimeFigureOut">
               <a:rPr kumimoji="1" lang="ja-JP" altLang="en-US" smtClean="0"/>
-              <a:t>2017/6/2</a:t>
+              <a:t>2017/6/3</a:t>
             </a:fld>
             <a:endParaRPr kumimoji="1" lang="ja-JP" altLang="en-US"/>
           </a:p>
@@ -3074,7 +3074,7 @@
           <a:p>
             <a:fld id="{34FAF99E-A0D5-463B-960C-AF4DABAF1138}" type="datetimeFigureOut">
               <a:rPr kumimoji="1" lang="ja-JP" altLang="en-US" smtClean="0"/>
-              <a:t>2017/6/2</a:t>
+              <a:t>2017/6/3</a:t>
             </a:fld>
             <a:endParaRPr kumimoji="1" lang="ja-JP" altLang="en-US"/>
           </a:p>
@@ -3317,7 +3317,7 @@
           <a:p>
             <a:fld id="{34FAF99E-A0D5-463B-960C-AF4DABAF1138}" type="datetimeFigureOut">
               <a:rPr kumimoji="1" lang="ja-JP" altLang="en-US" smtClean="0"/>
-              <a:t>2017/6/2</a:t>
+              <a:t>2017/6/3</a:t>
             </a:fld>
             <a:endParaRPr kumimoji="1" lang="ja-JP" altLang="en-US"/>
           </a:p>
@@ -3952,7 +3952,7 @@
           <a:p>
             <a:r>
               <a:rPr kumimoji="1" lang="ja-JP" altLang="en-US" dirty="0"/>
-              <a:t>現状</a:t>
+              <a:t>ストローク</a:t>
             </a:r>
           </a:p>
         </p:txBody>
@@ -3969,27 +3969,43 @@
         </p:nvSpPr>
         <p:spPr/>
         <p:txBody>
-          <a:bodyPr/>
+          <a:bodyPr>
+            <a:normAutofit lnSpcReduction="10000"/>
+          </a:bodyPr>
           <a:lstStyle/>
           <a:p>
             <a:r>
               <a:rPr kumimoji="1" lang="ja-JP" altLang="en-US" dirty="0"/>
-              <a:t>弾く練習はできる</a:t>
+              <a:t>６本の弦を一気に弾く</a:t>
             </a:r>
             <a:endParaRPr kumimoji="1" lang="en-US" altLang="ja-JP" dirty="0"/>
           </a:p>
           <a:p>
             <a:r>
               <a:rPr lang="ja-JP" altLang="en-US" dirty="0"/>
-              <a:t>それで分かったこと</a:t>
+              <a:t>脱力</a:t>
             </a:r>
             <a:endParaRPr lang="en-US" altLang="ja-JP" dirty="0"/>
           </a:p>
           <a:p>
+            <a:r>
+              <a:rPr kumimoji="1" lang="ja-JP" altLang="en-US" dirty="0"/>
+              <a:t>キーボードで複数のキーを使う</a:t>
+            </a:r>
+            <a:endParaRPr kumimoji="1" lang="en-US" altLang="ja-JP" dirty="0"/>
+          </a:p>
+          <a:p>
+            <a:r>
+              <a:rPr lang="ja-JP" altLang="en-US" dirty="0"/>
+              <a:t>方向</a:t>
+            </a:r>
+            <a:endParaRPr kumimoji="1" lang="en-US" altLang="ja-JP" dirty="0"/>
+          </a:p>
+          <a:p>
             <a:pPr lvl="1"/>
             <a:r>
               <a:rPr lang="ja-JP" altLang="en-US" dirty="0"/>
-              <a:t>ギターの音っぽくはない</a:t>
+              <a:t>ダウンストローク</a:t>
             </a:r>
             <a:endParaRPr lang="en-US" altLang="ja-JP" dirty="0"/>
           </a:p>
@@ -3997,32 +4013,95 @@
             <a:pPr lvl="1"/>
             <a:r>
               <a:rPr kumimoji="1" lang="ja-JP" altLang="en-US" dirty="0"/>
-              <a:t>弾き語りが簡単になどなってない</a:t>
+              <a:t>アップストローク</a:t>
+            </a:r>
+            <a:r>
+              <a:rPr kumimoji="1" lang="en-US" altLang="ja-JP" dirty="0"/>
+              <a:t>	</a:t>
+            </a:r>
+            <a:r>
+              <a:rPr kumimoji="1" lang="ja-JP" altLang="en-US" dirty="0"/>
+              <a:t>ダウンより音が鳴りにくい？</a:t>
             </a:r>
             <a:endParaRPr kumimoji="1" lang="en-US" altLang="ja-JP" dirty="0"/>
           </a:p>
           <a:p>
+            <a:r>
+              <a:rPr lang="ja-JP" altLang="en-US" dirty="0"/>
+              <a:t>基本の弾き方</a:t>
+            </a:r>
+            <a:endParaRPr kumimoji="1" lang="en-US" altLang="ja-JP" dirty="0"/>
+          </a:p>
+          <a:p>
             <a:pPr lvl="1"/>
             <a:r>
               <a:rPr lang="ja-JP" altLang="en-US" dirty="0"/>
-              <a:t>音の修正がめ</a:t>
-            </a:r>
-            <a:r>
-              <a:rPr lang="ja-JP" altLang="en-US" dirty="0" err="1"/>
-              <a:t>んど</a:t>
-            </a:r>
-            <a:r>
-              <a:rPr lang="ja-JP" altLang="en-US"/>
-              <a:t>くさい</a:t>
+              <a:t>ダウン</a:t>
+            </a:r>
+            <a:r>
+              <a:rPr lang="en-US" altLang="ja-JP" dirty="0"/>
+              <a:t>&gt;</a:t>
+            </a:r>
+            <a:r>
+              <a:rPr lang="ja-JP" altLang="en-US" dirty="0"/>
+              <a:t>ダウン</a:t>
+            </a:r>
+            <a:r>
+              <a:rPr lang="en-US" altLang="ja-JP" dirty="0"/>
+              <a:t>&gt;</a:t>
+            </a:r>
+            <a:r>
+              <a:rPr lang="ja-JP" altLang="en-US" dirty="0"/>
+              <a:t>アップ</a:t>
+            </a:r>
+            <a:r>
+              <a:rPr lang="en-US" altLang="ja-JP" dirty="0"/>
+              <a:t>&gt;</a:t>
+            </a:r>
+            <a:r>
+              <a:rPr lang="ja-JP" altLang="en-US" dirty="0"/>
+              <a:t>アップ</a:t>
+            </a:r>
+            <a:r>
+              <a:rPr lang="en-US" altLang="ja-JP" dirty="0"/>
+              <a:t>&gt;</a:t>
+            </a:r>
+            <a:r>
+              <a:rPr lang="ja-JP" altLang="en-US" dirty="0"/>
+              <a:t>ダウン</a:t>
+            </a:r>
+            <a:r>
+              <a:rPr lang="en-US" altLang="ja-JP" dirty="0"/>
+              <a:t>&gt;</a:t>
+            </a:r>
+            <a:r>
+              <a:rPr lang="ja-JP" altLang="en-US" dirty="0"/>
+              <a:t>アップ</a:t>
             </a:r>
             <a:endParaRPr lang="en-US" altLang="ja-JP" dirty="0"/>
+          </a:p>
+          <a:p>
+            <a:pPr lvl="1"/>
+            <a:r>
+              <a:rPr kumimoji="1" lang="ja-JP" altLang="en-US" dirty="0"/>
+              <a:t>当たってるか当たってないかがリズムを生む</a:t>
+            </a:r>
+            <a:endParaRPr kumimoji="1" lang="en-US" altLang="ja-JP" dirty="0"/>
+          </a:p>
+          <a:p>
+            <a:pPr lvl="1"/>
+            <a:r>
+              <a:rPr lang="ja-JP" altLang="en-US" dirty="0"/>
+              <a:t>腕を振るスピードはたぶん同じ</a:t>
+            </a:r>
+            <a:endParaRPr kumimoji="1" lang="ja-JP" altLang="en-US" dirty="0"/>
           </a:p>
         </p:txBody>
       </p:sp>
     </p:spTree>
     <p:extLst>
       <p:ext uri="{BB962C8B-B14F-4D97-AF65-F5344CB8AC3E}">
-        <p14:creationId xmlns:p14="http://schemas.microsoft.com/office/powerpoint/2010/main" val="1302768076"/>
+        <p14:creationId xmlns:p14="http://schemas.microsoft.com/office/powerpoint/2010/main" val="3826982934"/>
       </p:ext>
     </p:extLst>
   </p:cSld>
@@ -4066,7 +4145,7 @@
           <a:p>
             <a:r>
               <a:rPr kumimoji="1" lang="ja-JP" altLang="en-US" dirty="0"/>
-              <a:t>ストローク</a:t>
+              <a:t>弦は６本</a:t>
             </a:r>
           </a:p>
         </p:txBody>
@@ -4083,130 +4162,26 @@
         </p:nvSpPr>
         <p:spPr/>
         <p:txBody>
-          <a:bodyPr>
-            <a:normAutofit lnSpcReduction="10000"/>
-          </a:bodyPr>
+          <a:bodyPr/>
           <a:lstStyle/>
           <a:p>
             <a:r>
               <a:rPr kumimoji="1" lang="ja-JP" altLang="en-US" dirty="0"/>
-              <a:t>６本の弦を一気に弾く</a:t>
+              <a:t>音が６つ出る？</a:t>
             </a:r>
             <a:endParaRPr kumimoji="1" lang="en-US" altLang="ja-JP" dirty="0"/>
           </a:p>
           <a:p>
             <a:r>
               <a:rPr lang="ja-JP" altLang="en-US" dirty="0"/>
-              <a:t>脱力</a:t>
+              <a:t>上４本がベースと同じ</a:t>
             </a:r>
             <a:endParaRPr lang="en-US" altLang="ja-JP" dirty="0"/>
           </a:p>
           <a:p>
             <a:r>
-              <a:rPr kumimoji="1" lang="ja-JP" altLang="en-US" dirty="0"/>
-              <a:t>キーボードで複数のキーを使う</a:t>
-            </a:r>
-            <a:endParaRPr kumimoji="1" lang="en-US" altLang="ja-JP" dirty="0"/>
-          </a:p>
-          <a:p>
-            <a:r>
-              <a:rPr lang="ja-JP" altLang="en-US" dirty="0"/>
-              <a:t>方向</a:t>
-            </a:r>
-            <a:endParaRPr kumimoji="1" lang="en-US" altLang="ja-JP" dirty="0"/>
-          </a:p>
-          <a:p>
-            <a:pPr lvl="1"/>
-            <a:r>
-              <a:rPr lang="ja-JP" altLang="en-US" dirty="0"/>
-              <a:t>ダウンストローク</a:t>
-            </a:r>
-            <a:endParaRPr lang="en-US" altLang="ja-JP" dirty="0"/>
-          </a:p>
-          <a:p>
-            <a:pPr lvl="1"/>
-            <a:r>
-              <a:rPr kumimoji="1" lang="ja-JP" altLang="en-US" dirty="0"/>
-              <a:t>アップストローク</a:t>
-            </a:r>
-            <a:r>
-              <a:rPr kumimoji="1" lang="en-US" altLang="ja-JP" dirty="0"/>
-              <a:t>	</a:t>
-            </a:r>
-            <a:r>
-              <a:rPr kumimoji="1" lang="ja-JP" altLang="en-US" dirty="0"/>
-              <a:t>ダウンより音が鳴りにくい？</a:t>
-            </a:r>
-            <a:endParaRPr kumimoji="1" lang="en-US" altLang="ja-JP" dirty="0"/>
-          </a:p>
-          <a:p>
-            <a:r>
-              <a:rPr lang="ja-JP" altLang="en-US" dirty="0"/>
-              <a:t>基本の弾き方</a:t>
-            </a:r>
-            <a:endParaRPr kumimoji="1" lang="en-US" altLang="ja-JP" dirty="0"/>
-          </a:p>
-          <a:p>
-            <a:pPr lvl="1"/>
-            <a:r>
-              <a:rPr lang="ja-JP" altLang="en-US" dirty="0"/>
-              <a:t>ダウン</a:t>
-            </a:r>
-            <a:r>
-              <a:rPr lang="en-US" altLang="ja-JP" dirty="0"/>
-              <a:t>&gt;</a:t>
-            </a:r>
-            <a:r>
-              <a:rPr lang="ja-JP" altLang="en-US" dirty="0"/>
-              <a:t>ダウン</a:t>
-            </a:r>
-            <a:r>
-              <a:rPr lang="en-US" altLang="ja-JP" dirty="0"/>
-              <a:t>&gt;</a:t>
-            </a:r>
-            <a:r>
-              <a:rPr lang="ja-JP" altLang="en-US" dirty="0"/>
-              <a:t>アップ</a:t>
-            </a:r>
-            <a:r>
-              <a:rPr lang="en-US" altLang="ja-JP" dirty="0"/>
-              <a:t>&gt;</a:t>
-            </a:r>
-            <a:r>
-              <a:rPr lang="ja-JP" altLang="en-US" dirty="0"/>
-              <a:t>アップ</a:t>
-            </a:r>
-            <a:r>
-              <a:rPr lang="en-US" altLang="ja-JP" dirty="0"/>
-              <a:t>&gt;</a:t>
-            </a:r>
-            <a:r>
-              <a:rPr lang="ja-JP" altLang="en-US" dirty="0"/>
-              <a:t>ダウン</a:t>
-            </a:r>
-            <a:r>
-              <a:rPr lang="en-US" altLang="ja-JP" dirty="0"/>
-              <a:t>&gt;</a:t>
-            </a:r>
-            <a:r>
-              <a:rPr lang="ja-JP" altLang="en-US" dirty="0"/>
-              <a:t>アップ</a:t>
-            </a:r>
-            <a:endParaRPr lang="en-US" altLang="ja-JP" dirty="0"/>
-          </a:p>
-          <a:p>
-            <a:pPr lvl="1"/>
-            <a:r>
-              <a:rPr kumimoji="1" lang="ja-JP" altLang="en-US" dirty="0"/>
-              <a:t>当たってるか当たってないかがリズムを生む</a:t>
-            </a:r>
-            <a:endParaRPr kumimoji="1" lang="en-US" altLang="ja-JP" dirty="0"/>
-          </a:p>
-          <a:p>
-            <a:pPr lvl="1"/>
-            <a:r>
-              <a:rPr lang="ja-JP" altLang="en-US" dirty="0"/>
-              <a:t>腕を振るスピードはたぶん同じ</a:t>
+              <a:rPr kumimoji="1" lang="ja-JP" altLang="en-US"/>
+              <a:t>残りは？　オクターブ違い？</a:t>
             </a:r>
             <a:endParaRPr kumimoji="1" lang="ja-JP" altLang="en-US" dirty="0"/>
           </a:p>
@@ -4215,7 +4190,7 @@
     </p:spTree>
     <p:extLst>
       <p:ext uri="{BB962C8B-B14F-4D97-AF65-F5344CB8AC3E}">
-        <p14:creationId xmlns:p14="http://schemas.microsoft.com/office/powerpoint/2010/main" val="3826982934"/>
+        <p14:creationId xmlns:p14="http://schemas.microsoft.com/office/powerpoint/2010/main" val="2443643365"/>
       </p:ext>
     </p:extLst>
   </p:cSld>
@@ -4226,7 +4201,7 @@
 </file>
 
 <file path=ppt/slides/slide13.xml><?xml version="1.0" encoding="utf-8"?>
-<p:sld xmlns:a="http://schemas.openxmlformats.org/drawingml/2006/main" xmlns:r="http://schemas.openxmlformats.org/officeDocument/2006/relationships" xmlns:p="http://schemas.openxmlformats.org/presentationml/2006/main">
+<p:sld xmlns:a="http://schemas.openxmlformats.org/drawingml/2006/main" xmlns:r="http://schemas.openxmlformats.org/officeDocument/2006/relationships" xmlns:p="http://schemas.openxmlformats.org/presentationml/2006/main" show="0">
   <p:cSld>
     <p:spTree>
       <p:nvGrpSpPr>
@@ -4259,7 +4234,7 @@
           <a:p>
             <a:r>
               <a:rPr kumimoji="1" lang="ja-JP" altLang="en-US" dirty="0"/>
-              <a:t>弦は６本</a:t>
+              <a:t>現状整理</a:t>
             </a:r>
           </a:p>
         </p:txBody>
@@ -4280,31 +4255,40 @@
           <a:lstStyle/>
           <a:p>
             <a:r>
+              <a:rPr lang="ja-JP" altLang="en-US" dirty="0"/>
+              <a:t>今のままではぜんぜん駄目</a:t>
+            </a:r>
+            <a:endParaRPr kumimoji="1" lang="en-US" altLang="ja-JP" dirty="0"/>
+          </a:p>
+          <a:p>
+            <a:r>
+              <a:rPr lang="ja-JP" altLang="en-US" dirty="0"/>
+              <a:t>次のトライに必要なもの</a:t>
+            </a:r>
+            <a:endParaRPr kumimoji="1" lang="en-US" altLang="ja-JP" dirty="0"/>
+          </a:p>
+          <a:p>
+            <a:pPr lvl="1"/>
+            <a:r>
+              <a:rPr lang="ja-JP" altLang="en-US" dirty="0"/>
+              <a:t>ギターの音源</a:t>
+            </a:r>
+            <a:endParaRPr lang="en-US" altLang="ja-JP" dirty="0"/>
+          </a:p>
+          <a:p>
+            <a:pPr lvl="1"/>
+            <a:r>
               <a:rPr kumimoji="1" lang="ja-JP" altLang="en-US" dirty="0"/>
-              <a:t>音が６つ出る？</a:t>
+              <a:t>ギターの音源を同時に鳴らして汚くならないこと</a:t>
             </a:r>
             <a:endParaRPr kumimoji="1" lang="en-US" altLang="ja-JP" dirty="0"/>
-          </a:p>
-          <a:p>
-            <a:r>
-              <a:rPr lang="ja-JP" altLang="en-US" dirty="0"/>
-              <a:t>上４本がベースと同じ</a:t>
-            </a:r>
-            <a:endParaRPr lang="en-US" altLang="ja-JP" dirty="0"/>
-          </a:p>
-          <a:p>
-            <a:r>
-              <a:rPr kumimoji="1" lang="ja-JP" altLang="en-US"/>
-              <a:t>残りは？　オクターブ違い？</a:t>
-            </a:r>
-            <a:endParaRPr kumimoji="1" lang="ja-JP" altLang="en-US" dirty="0"/>
           </a:p>
         </p:txBody>
       </p:sp>
     </p:spTree>
     <p:extLst>
       <p:ext uri="{BB962C8B-B14F-4D97-AF65-F5344CB8AC3E}">
-        <p14:creationId xmlns:p14="http://schemas.microsoft.com/office/powerpoint/2010/main" val="2443643365"/>
+        <p14:creationId xmlns:p14="http://schemas.microsoft.com/office/powerpoint/2010/main" val="4020479301"/>
       </p:ext>
     </p:extLst>
   </p:cSld>
@@ -4441,7 +4425,7 @@
           <a:p>
             <a:r>
               <a:rPr kumimoji="1" lang="ja-JP" altLang="en-US" dirty="0"/>
-              <a:t>現状整理</a:t>
+              <a:t>現状</a:t>
             </a:r>
           </a:p>
         </p:txBody>
@@ -4462,40 +4446,56 @@
           <a:lstStyle/>
           <a:p>
             <a:r>
+              <a:rPr kumimoji="1" lang="ja-JP" altLang="en-US" dirty="0"/>
+              <a:t>弾く練習はできる</a:t>
+            </a:r>
+            <a:endParaRPr kumimoji="1" lang="en-US" altLang="ja-JP" dirty="0"/>
+          </a:p>
+          <a:p>
+            <a:r>
               <a:rPr lang="ja-JP" altLang="en-US" dirty="0"/>
-              <a:t>今のままではぜんぜん駄目</a:t>
+              <a:t>それで分かったこと</a:t>
+            </a:r>
+            <a:endParaRPr lang="en-US" altLang="ja-JP" dirty="0"/>
+          </a:p>
+          <a:p>
+            <a:pPr lvl="1"/>
+            <a:r>
+              <a:rPr lang="ja-JP" altLang="en-US" dirty="0"/>
+              <a:t>ギターの音っぽくはない</a:t>
+            </a:r>
+            <a:endParaRPr lang="en-US" altLang="ja-JP" dirty="0"/>
+          </a:p>
+          <a:p>
+            <a:pPr lvl="1"/>
+            <a:r>
+              <a:rPr kumimoji="1" lang="ja-JP" altLang="en-US" dirty="0"/>
+              <a:t>弾き語りが簡単になどなってない</a:t>
             </a:r>
             <a:endParaRPr kumimoji="1" lang="en-US" altLang="ja-JP" dirty="0"/>
           </a:p>
           <a:p>
+            <a:pPr lvl="1"/>
             <a:r>
               <a:rPr lang="ja-JP" altLang="en-US" dirty="0"/>
-              <a:t>次のトライに必要なもの</a:t>
-            </a:r>
-            <a:endParaRPr kumimoji="1" lang="en-US" altLang="ja-JP" dirty="0"/>
-          </a:p>
-          <a:p>
-            <a:pPr lvl="1"/>
-            <a:r>
-              <a:rPr lang="ja-JP" altLang="en-US" dirty="0"/>
-              <a:t>ギターの音源</a:t>
+              <a:t>音の修正がめ</a:t>
+            </a:r>
+            <a:r>
+              <a:rPr lang="ja-JP" altLang="en-US" dirty="0" err="1"/>
+              <a:t>んど</a:t>
+            </a:r>
+            <a:r>
+              <a:rPr lang="ja-JP" altLang="en-US"/>
+              <a:t>くさい</a:t>
             </a:r>
             <a:endParaRPr lang="en-US" altLang="ja-JP" dirty="0"/>
-          </a:p>
-          <a:p>
-            <a:pPr lvl="1"/>
-            <a:r>
-              <a:rPr kumimoji="1" lang="ja-JP" altLang="en-US" dirty="0"/>
-              <a:t>ギターの音源を同時に鳴らして汚くならないこと</a:t>
-            </a:r>
-            <a:endParaRPr kumimoji="1" lang="en-US" altLang="ja-JP" dirty="0"/>
           </a:p>
         </p:txBody>
       </p:sp>
     </p:spTree>
     <p:extLst>
       <p:ext uri="{BB962C8B-B14F-4D97-AF65-F5344CB8AC3E}">
-        <p14:creationId xmlns:p14="http://schemas.microsoft.com/office/powerpoint/2010/main" val="4020479301"/>
+        <p14:creationId xmlns:p14="http://schemas.microsoft.com/office/powerpoint/2010/main" val="1302768076"/>
       </p:ext>
     </p:extLst>
   </p:cSld>
